--- a/HowTo.pptx
+++ b/HowTo.pptx
@@ -120,6 +120,11 @@
       </a:defRPr>
     </a:lvl9pPr>
   </p:defaultTextStyle>
+  <p:extLst>
+    <p:ext uri="{EFAFB233-063F-42B5-8137-9DF3F51BA10A}">
+      <p15:sldGuideLst xmlns:p15="http://schemas.microsoft.com/office/powerpoint/2012/main"/>
+    </p:ext>
+  </p:extLst>
 </p:presentation>
 </file>
 
@@ -270,7 +275,7 @@
           <a:p>
             <a:fld id="{DC937959-EF7E-4F69-A292-3721A5BE31C2}" type="datetimeFigureOut">
               <a:rPr lang="en-US" smtClean="0"/>
-              <a:t>6/23/2024</a:t>
+              <a:t>6/24/2024</a:t>
             </a:fld>
             <a:endParaRPr lang="en-US"/>
           </a:p>
@@ -468,7 +473,7 @@
           <a:p>
             <a:fld id="{DC937959-EF7E-4F69-A292-3721A5BE31C2}" type="datetimeFigureOut">
               <a:rPr lang="en-US" smtClean="0"/>
-              <a:t>6/23/2024</a:t>
+              <a:t>6/24/2024</a:t>
             </a:fld>
             <a:endParaRPr lang="en-US"/>
           </a:p>
@@ -676,7 +681,7 @@
           <a:p>
             <a:fld id="{DC937959-EF7E-4F69-A292-3721A5BE31C2}" type="datetimeFigureOut">
               <a:rPr lang="en-US" smtClean="0"/>
-              <a:t>6/23/2024</a:t>
+              <a:t>6/24/2024</a:t>
             </a:fld>
             <a:endParaRPr lang="en-US"/>
           </a:p>
@@ -874,7 +879,7 @@
           <a:p>
             <a:fld id="{DC937959-EF7E-4F69-A292-3721A5BE31C2}" type="datetimeFigureOut">
               <a:rPr lang="en-US" smtClean="0"/>
-              <a:t>6/23/2024</a:t>
+              <a:t>6/24/2024</a:t>
             </a:fld>
             <a:endParaRPr lang="en-US"/>
           </a:p>
@@ -1149,7 +1154,7 @@
           <a:p>
             <a:fld id="{DC937959-EF7E-4F69-A292-3721A5BE31C2}" type="datetimeFigureOut">
               <a:rPr lang="en-US" smtClean="0"/>
-              <a:t>6/23/2024</a:t>
+              <a:t>6/24/2024</a:t>
             </a:fld>
             <a:endParaRPr lang="en-US"/>
           </a:p>
@@ -1414,7 +1419,7 @@
           <a:p>
             <a:fld id="{DC937959-EF7E-4F69-A292-3721A5BE31C2}" type="datetimeFigureOut">
               <a:rPr lang="en-US" smtClean="0"/>
-              <a:t>6/23/2024</a:t>
+              <a:t>6/24/2024</a:t>
             </a:fld>
             <a:endParaRPr lang="en-US"/>
           </a:p>
@@ -1826,7 +1831,7 @@
           <a:p>
             <a:fld id="{DC937959-EF7E-4F69-A292-3721A5BE31C2}" type="datetimeFigureOut">
               <a:rPr lang="en-US" smtClean="0"/>
-              <a:t>6/23/2024</a:t>
+              <a:t>6/24/2024</a:t>
             </a:fld>
             <a:endParaRPr lang="en-US"/>
           </a:p>
@@ -1967,7 +1972,7 @@
           <a:p>
             <a:fld id="{DC937959-EF7E-4F69-A292-3721A5BE31C2}" type="datetimeFigureOut">
               <a:rPr lang="en-US" smtClean="0"/>
-              <a:t>6/23/2024</a:t>
+              <a:t>6/24/2024</a:t>
             </a:fld>
             <a:endParaRPr lang="en-US"/>
           </a:p>
@@ -2080,7 +2085,7 @@
           <a:p>
             <a:fld id="{DC937959-EF7E-4F69-A292-3721A5BE31C2}" type="datetimeFigureOut">
               <a:rPr lang="en-US" smtClean="0"/>
-              <a:t>6/23/2024</a:t>
+              <a:t>6/24/2024</a:t>
             </a:fld>
             <a:endParaRPr lang="en-US"/>
           </a:p>
@@ -2391,7 +2396,7 @@
           <a:p>
             <a:fld id="{DC937959-EF7E-4F69-A292-3721A5BE31C2}" type="datetimeFigureOut">
               <a:rPr lang="en-US" smtClean="0"/>
-              <a:t>6/23/2024</a:t>
+              <a:t>6/24/2024</a:t>
             </a:fld>
             <a:endParaRPr lang="en-US"/>
           </a:p>
@@ -2679,7 +2684,7 @@
           <a:p>
             <a:fld id="{DC937959-EF7E-4F69-A292-3721A5BE31C2}" type="datetimeFigureOut">
               <a:rPr lang="en-US" smtClean="0"/>
-              <a:t>6/23/2024</a:t>
+              <a:t>6/24/2024</a:t>
             </a:fld>
             <a:endParaRPr lang="en-US"/>
           </a:p>
@@ -2920,7 +2925,7 @@
           <a:p>
             <a:fld id="{DC937959-EF7E-4F69-A292-3721A5BE31C2}" type="datetimeFigureOut">
               <a:rPr lang="en-US" smtClean="0"/>
-              <a:t>6/23/2024</a:t>
+              <a:t>6/24/2024</a:t>
             </a:fld>
             <a:endParaRPr lang="en-US"/>
           </a:p>
@@ -4653,7 +4658,7 @@
         <p:spPr/>
         <p:txBody>
           <a:bodyPr>
-            <a:normAutofit fontScale="92500" lnSpcReduction="20000"/>
+            <a:normAutofit fontScale="70000" lnSpcReduction="20000"/>
           </a:bodyPr>
           <a:lstStyle/>
           <a:p>
@@ -4723,6 +4728,37 @@
               <a:rPr lang="en-US" dirty="0"/>
               <a:t>Add in readme presentation of section2 the fact that term by term is also an option</a:t>
             </a:r>
+          </a:p>
+          <a:p>
+            <a:r>
+              <a:rPr lang="en-US" dirty="0"/>
+              <a:t>Update the screenshots for pathway template with correct academic term format</a:t>
+            </a:r>
+          </a:p>
+          <a:p>
+            <a:r>
+              <a:rPr lang="en-US" dirty="0"/>
+              <a:t>Run quietly the add data + define parameters </a:t>
+            </a:r>
+            <a:r>
+              <a:rPr lang="en-US" dirty="0" err="1"/>
+              <a:t>dofiles</a:t>
+            </a:r>
+            <a:r>
+              <a:rPr lang="en-US" dirty="0"/>
+              <a:t> at the top of each make data file</a:t>
+            </a:r>
+          </a:p>
+          <a:p>
+            <a:r>
+              <a:rPr lang="en-US" dirty="0"/>
+              <a:t>Add the ado file path at the top of every exporting </a:t>
+            </a:r>
+            <a:r>
+              <a:rPr lang="en-US" dirty="0" err="1"/>
+              <a:t>dofile</a:t>
+            </a:r>
+            <a:endParaRPr lang="en-US" dirty="0"/>
           </a:p>
           <a:p>
             <a:pPr marL="0" indent="0">
@@ -5499,7 +5535,12 @@
             <p:ph type="title"/>
           </p:nvPr>
         </p:nvSpPr>
-        <p:spPr/>
+        <p:spPr>
+          <a:xfrm>
+            <a:off x="838200" y="365125"/>
+            <a:ext cx="10515600" cy="1325563"/>
+          </a:xfrm>
+        </p:spPr>
         <p:txBody>
           <a:bodyPr>
             <a:normAutofit/>
@@ -6380,7 +6421,7 @@
           <a:p>
             <a:r>
               <a:rPr lang="en-US" dirty="0"/>
-              <a:t>We lied. There are a few more things you can look at on the repo landing page.</a:t>
+              <a:t>Ok, there are a few more things you can look at on the repo landing page.</a:t>
             </a:r>
           </a:p>
         </p:txBody>
